--- a/Screenshots and URLs Presentation.pptx
+++ b/Screenshots and URLs Presentation.pptx
@@ -20,6 +20,8 @@
     <p:sldId id="271" r:id="rId14"/>
     <p:sldId id="272" r:id="rId15"/>
     <p:sldId id="273" r:id="rId16"/>
+    <p:sldId id="274" r:id="rId17"/>
+    <p:sldId id="275" r:id="rId18"/>
   </p:sldIdLst>
   <p:sldSz cx="12192000" cy="6858000"/>
   <p:notesSz cx="6858000" cy="9144000"/>
@@ -13097,6 +13099,184 @@
 </p:sld>
 </file>
 
+<file path=ppt/slides/slide16.xml><?xml version="1.0" encoding="utf-8"?>
+<p:sld xmlns:a="http://schemas.openxmlformats.org/drawingml/2006/main" xmlns:r="http://schemas.openxmlformats.org/officeDocument/2006/relationships" xmlns:p="http://schemas.openxmlformats.org/presentationml/2006/main">
+  <p:cSld>
+    <p:spTree>
+      <p:nvGrpSpPr>
+        <p:cNvPr id="1" name=""/>
+        <p:cNvGrpSpPr/>
+        <p:nvPr/>
+      </p:nvGrpSpPr>
+      <p:grpSpPr>
+        <a:xfrm>
+          <a:off x="0" y="0"/>
+          <a:ext cx="0" cy="0"/>
+          <a:chOff x="0" y="0"/>
+          <a:chExt cx="0" cy="0"/>
+        </a:xfrm>
+      </p:grpSpPr>
+      <p:sp>
+        <p:nvSpPr>
+          <p:cNvPr id="5" name="Subtitle 4"/>
+          <p:cNvSpPr>
+            <a:spLocks noGrp="1"/>
+          </p:cNvSpPr>
+          <p:nvPr>
+            <p:ph type="subTitle" idx="1"/>
+          </p:nvPr>
+        </p:nvSpPr>
+        <p:spPr>
+          <a:xfrm>
+            <a:off x="3719512" y="6200772"/>
+            <a:ext cx="4752976" cy="500062"/>
+          </a:xfrm>
+        </p:spPr>
+        <p:txBody>
+          <a:bodyPr/>
+          <a:lstStyle/>
+          <a:p>
+            <a:pPr algn="ctr"/>
+            <a:r>
+              <a:rPr lang="en-US" b="1" dirty="0" smtClean="0"/>
+              <a:t>URL04_SCREENSHOT</a:t>
+            </a:r>
+            <a:endParaRPr lang="en-US" dirty="0"/>
+          </a:p>
+        </p:txBody>
+      </p:sp>
+      <p:pic>
+        <p:nvPicPr>
+          <p:cNvPr id="7" name="Picture 6"/>
+          <p:cNvPicPr>
+            <a:picLocks noChangeAspect="1"/>
+          </p:cNvPicPr>
+          <p:nvPr/>
+        </p:nvPicPr>
+        <p:blipFill>
+          <a:blip r:embed="rId2">
+            <a:extLst>
+              <a:ext uri="{28A0092B-C50C-407E-A947-70E740481C1C}">
+                <a14:useLocalDpi xmlns:a14="http://schemas.microsoft.com/office/drawing/2010/main" val="0"/>
+              </a:ext>
+            </a:extLst>
+          </a:blip>
+          <a:stretch>
+            <a:fillRect/>
+          </a:stretch>
+        </p:blipFill>
+        <p:spPr>
+          <a:xfrm>
+            <a:off x="1216818" y="414337"/>
+            <a:ext cx="9758363" cy="5486400"/>
+          </a:xfrm>
+          <a:prstGeom prst="rect">
+            <a:avLst/>
+          </a:prstGeom>
+        </p:spPr>
+      </p:pic>
+    </p:spTree>
+    <p:extLst>
+      <p:ext uri="{BB962C8B-B14F-4D97-AF65-F5344CB8AC3E}">
+        <p14:creationId xmlns:p14="http://schemas.microsoft.com/office/powerpoint/2010/main" val="2316457056"/>
+      </p:ext>
+    </p:extLst>
+  </p:cSld>
+  <p:clrMapOvr>
+    <a:masterClrMapping/>
+  </p:clrMapOvr>
+</p:sld>
+</file>
+
+<file path=ppt/slides/slide17.xml><?xml version="1.0" encoding="utf-8"?>
+<p:sld xmlns:a="http://schemas.openxmlformats.org/drawingml/2006/main" xmlns:r="http://schemas.openxmlformats.org/officeDocument/2006/relationships" xmlns:p="http://schemas.openxmlformats.org/presentationml/2006/main">
+  <p:cSld>
+    <p:spTree>
+      <p:nvGrpSpPr>
+        <p:cNvPr id="1" name=""/>
+        <p:cNvGrpSpPr/>
+        <p:nvPr/>
+      </p:nvGrpSpPr>
+      <p:grpSpPr>
+        <a:xfrm>
+          <a:off x="0" y="0"/>
+          <a:ext cx="0" cy="0"/>
+          <a:chOff x="0" y="0"/>
+          <a:chExt cx="0" cy="0"/>
+        </a:xfrm>
+      </p:grpSpPr>
+      <p:sp>
+        <p:nvSpPr>
+          <p:cNvPr id="5" name="Subtitle 4"/>
+          <p:cNvSpPr>
+            <a:spLocks noGrp="1"/>
+          </p:cNvSpPr>
+          <p:nvPr>
+            <p:ph type="subTitle" idx="1"/>
+          </p:nvPr>
+        </p:nvSpPr>
+        <p:spPr>
+          <a:xfrm>
+            <a:off x="3719512" y="6200772"/>
+            <a:ext cx="4752976" cy="500062"/>
+          </a:xfrm>
+        </p:spPr>
+        <p:txBody>
+          <a:bodyPr/>
+          <a:lstStyle/>
+          <a:p>
+            <a:pPr algn="ctr"/>
+            <a:r>
+              <a:rPr lang="en-US" b="1" dirty="0" smtClean="0"/>
+              <a:t>URL05_SCREENSHOT</a:t>
+            </a:r>
+            <a:endParaRPr lang="en-US" dirty="0"/>
+          </a:p>
+        </p:txBody>
+      </p:sp>
+      <p:pic>
+        <p:nvPicPr>
+          <p:cNvPr id="6" name="Picture 5"/>
+          <p:cNvPicPr>
+            <a:picLocks noChangeAspect="1"/>
+          </p:cNvPicPr>
+          <p:nvPr/>
+        </p:nvPicPr>
+        <p:blipFill>
+          <a:blip r:embed="rId2">
+            <a:extLst>
+              <a:ext uri="{28A0092B-C50C-407E-A947-70E740481C1C}">
+                <a14:useLocalDpi xmlns:a14="http://schemas.microsoft.com/office/drawing/2010/main" val="0"/>
+              </a:ext>
+            </a:extLst>
+          </a:blip>
+          <a:stretch>
+            <a:fillRect/>
+          </a:stretch>
+        </p:blipFill>
+        <p:spPr>
+          <a:xfrm>
+            <a:off x="2587375" y="414337"/>
+            <a:ext cx="7017250" cy="5486400"/>
+          </a:xfrm>
+          <a:prstGeom prst="rect">
+            <a:avLst/>
+          </a:prstGeom>
+        </p:spPr>
+      </p:pic>
+    </p:spTree>
+    <p:extLst>
+      <p:ext uri="{BB962C8B-B14F-4D97-AF65-F5344CB8AC3E}">
+        <p14:creationId xmlns:p14="http://schemas.microsoft.com/office/powerpoint/2010/main" val="589809813"/>
+      </p:ext>
+    </p:extLst>
+  </p:cSld>
+  <p:clrMapOvr>
+    <a:masterClrMapping/>
+  </p:clrMapOvr>
+</p:sld>
+</file>
+
 <file path=ppt/slides/slide2.xml><?xml version="1.0" encoding="utf-8"?>
 <p:sld xmlns:a="http://schemas.openxmlformats.org/drawingml/2006/main" xmlns:r="http://schemas.openxmlformats.org/officeDocument/2006/relationships" xmlns:p="http://schemas.openxmlformats.org/presentationml/2006/main">
   <p:cSld>

--- a/Screenshots and URLs Presentation.pptx
+++ b/Screenshots and URLs Presentation.pptx
@@ -20,8 +20,10 @@
     <p:sldId id="271" r:id="rId14"/>
     <p:sldId id="272" r:id="rId15"/>
     <p:sldId id="273" r:id="rId16"/>
-    <p:sldId id="274" r:id="rId17"/>
-    <p:sldId id="275" r:id="rId18"/>
+    <p:sldId id="277" r:id="rId17"/>
+    <p:sldId id="276" r:id="rId18"/>
+    <p:sldId id="274" r:id="rId19"/>
+    <p:sldId id="275" r:id="rId20"/>
   </p:sldIdLst>
   <p:sldSz cx="12192000" cy="6858000"/>
   <p:notesSz cx="6858000" cy="9144000"/>
@@ -4315,7 +4317,7 @@
           </a:lstStyle>
           <a:p>
             <a:r>
-              <a:rPr lang="en-US" smtClean="0"/>
+              <a:rPr lang="en-US"/>
               <a:t>Click to edit Master title style</a:t>
             </a:r>
             <a:endParaRPr lang="en-US" dirty="0"/>
@@ -4386,7 +4388,7 @@
           </a:lstStyle>
           <a:p>
             <a:r>
-              <a:rPr lang="en-US" smtClean="0"/>
+              <a:rPr lang="en-US"/>
               <a:t>Click to edit Master subtitle style</a:t>
             </a:r>
             <a:endParaRPr lang="en-US" dirty="0"/>
@@ -4415,7 +4417,7 @@
           <a:p>
             <a:fld id="{D49600C0-1873-4BA0-A91F-DE2E7DDF9023}" type="datetimeFigureOut">
               <a:rPr lang="en-US" smtClean="0"/>
-              <a:t>10/15/2022</a:t>
+              <a:t>10/20/2022</a:t>
             </a:fld>
             <a:endParaRPr lang="en-US"/>
           </a:p>
@@ -4530,7 +4532,7 @@
           </a:lstStyle>
           <a:p>
             <a:r>
-              <a:rPr lang="en-US" smtClean="0"/>
+              <a:rPr lang="en-US"/>
               <a:t>Click to edit Master title style</a:t>
             </a:r>
             <a:endParaRPr lang="en-US" dirty="0"/>
@@ -4591,7 +4593,7 @@
               <a:buNone/>
             </a:pPr>
             <a:r>
-              <a:rPr lang="en-US" smtClean="0"/>
+              <a:rPr lang="en-US"/>
               <a:t>Click icon to add picture</a:t>
             </a:r>
             <a:endParaRPr lang="en-US" dirty="0"/>
@@ -4659,7 +4661,7 @@
           <a:p>
             <a:pPr lvl="0"/>
             <a:r>
-              <a:rPr lang="en-US" smtClean="0"/>
+              <a:rPr lang="en-US"/>
               <a:t>Edit Master text styles</a:t>
             </a:r>
           </a:p>
@@ -4682,7 +4684,7 @@
           <a:p>
             <a:fld id="{D49600C0-1873-4BA0-A91F-DE2E7DDF9023}" type="datetimeFigureOut">
               <a:rPr lang="en-US" smtClean="0"/>
-              <a:t>10/15/2022</a:t>
+              <a:t>10/20/2022</a:t>
             </a:fld>
             <a:endParaRPr lang="en-US"/>
           </a:p>
@@ -4787,7 +4789,7 @@
           </a:lstStyle>
           <a:p>
             <a:r>
-              <a:rPr lang="en-US" smtClean="0"/>
+              <a:rPr lang="en-US"/>
               <a:t>Click to edit Master title style</a:t>
             </a:r>
             <a:endParaRPr lang="en-US" dirty="0"/>
@@ -4855,7 +4857,7 @@
           <a:p>
             <a:pPr lvl="0"/>
             <a:r>
-              <a:rPr lang="en-US" smtClean="0"/>
+              <a:rPr lang="en-US"/>
               <a:t>Edit Master text styles</a:t>
             </a:r>
           </a:p>
@@ -4878,7 +4880,7 @@
           <a:p>
             <a:fld id="{D49600C0-1873-4BA0-A91F-DE2E7DDF9023}" type="datetimeFigureOut">
               <a:rPr lang="en-US" smtClean="0"/>
-              <a:t>10/15/2022</a:t>
+              <a:t>10/20/2022</a:t>
             </a:fld>
             <a:endParaRPr lang="en-US"/>
           </a:p>
@@ -4983,7 +4985,7 @@
           </a:lstStyle>
           <a:p>
             <a:r>
-              <a:rPr lang="en-US" smtClean="0"/>
+              <a:rPr lang="en-US"/>
               <a:t>Click to edit Master title style</a:t>
             </a:r>
             <a:endParaRPr lang="en-US" dirty="0"/>
@@ -5051,7 +5053,7 @@
           <a:p>
             <a:pPr lvl="0"/>
             <a:r>
-              <a:rPr lang="en-US" smtClean="0"/>
+              <a:rPr lang="en-US"/>
               <a:t>Edit Master text styles</a:t>
             </a:r>
           </a:p>
@@ -5118,7 +5120,7 @@
           <a:p>
             <a:pPr lvl="0"/>
             <a:r>
-              <a:rPr lang="en-US" smtClean="0"/>
+              <a:rPr lang="en-US"/>
               <a:t>Edit Master text styles</a:t>
             </a:r>
           </a:p>
@@ -5141,7 +5143,7 @@
           <a:p>
             <a:fld id="{D49600C0-1873-4BA0-A91F-DE2E7DDF9023}" type="datetimeFigureOut">
               <a:rPr lang="en-US" smtClean="0"/>
-              <a:t>10/15/2022</a:t>
+              <a:t>10/20/2022</a:t>
             </a:fld>
             <a:endParaRPr lang="en-US"/>
           </a:p>
@@ -5484,7 +5486,7 @@
           </a:lstStyle>
           <a:p>
             <a:r>
-              <a:rPr lang="en-US" smtClean="0"/>
+              <a:rPr lang="en-US"/>
               <a:t>Click to edit Master title style</a:t>
             </a:r>
             <a:endParaRPr lang="en-US" dirty="0"/>
@@ -5552,7 +5554,7 @@
           <a:p>
             <a:pPr lvl="0"/>
             <a:r>
-              <a:rPr lang="en-US" smtClean="0"/>
+              <a:rPr lang="en-US"/>
               <a:t>Edit Master text styles</a:t>
             </a:r>
           </a:p>
@@ -5575,7 +5577,7 @@
           <a:p>
             <a:fld id="{D49600C0-1873-4BA0-A91F-DE2E7DDF9023}" type="datetimeFigureOut">
               <a:rPr lang="en-US" smtClean="0"/>
-              <a:t>10/15/2022</a:t>
+              <a:t>10/20/2022</a:t>
             </a:fld>
             <a:endParaRPr lang="en-US"/>
           </a:p>
@@ -5674,7 +5676,7 @@
           <a:lstStyle/>
           <a:p>
             <a:r>
-              <a:rPr lang="en-US" smtClean="0"/>
+              <a:rPr lang="en-US"/>
               <a:t>Click to edit Master title style</a:t>
             </a:r>
             <a:endParaRPr lang="en-US" dirty="0"/>
@@ -5749,7 +5751,7 @@
           <a:p>
             <a:pPr lvl="0"/>
             <a:r>
-              <a:rPr lang="en-US" smtClean="0"/>
+              <a:rPr lang="en-US"/>
               <a:t>Edit Master text styles</a:t>
             </a:r>
           </a:p>
@@ -5816,7 +5818,7 @@
           <a:p>
             <a:pPr lvl="0"/>
             <a:r>
-              <a:rPr lang="en-US" smtClean="0"/>
+              <a:rPr lang="en-US"/>
               <a:t>Edit Master text styles</a:t>
             </a:r>
           </a:p>
@@ -5890,7 +5892,7 @@
           <a:p>
             <a:pPr lvl="0"/>
             <a:r>
-              <a:rPr lang="en-US" smtClean="0"/>
+              <a:rPr lang="en-US"/>
               <a:t>Edit Master text styles</a:t>
             </a:r>
           </a:p>
@@ -5957,7 +5959,7 @@
           <a:p>
             <a:pPr lvl="0"/>
             <a:r>
-              <a:rPr lang="en-US" smtClean="0"/>
+              <a:rPr lang="en-US"/>
               <a:t>Edit Master text styles</a:t>
             </a:r>
           </a:p>
@@ -6031,7 +6033,7 @@
           <a:p>
             <a:pPr lvl="0"/>
             <a:r>
-              <a:rPr lang="en-US" smtClean="0"/>
+              <a:rPr lang="en-US"/>
               <a:t>Edit Master text styles</a:t>
             </a:r>
           </a:p>
@@ -6098,7 +6100,7 @@
           <a:p>
             <a:pPr lvl="0"/>
             <a:r>
-              <a:rPr lang="en-US" smtClean="0"/>
+              <a:rPr lang="en-US"/>
               <a:t>Edit Master text styles</a:t>
             </a:r>
           </a:p>
@@ -6121,7 +6123,7 @@
           <a:p>
             <a:fld id="{D49600C0-1873-4BA0-A91F-DE2E7DDF9023}" type="datetimeFigureOut">
               <a:rPr lang="en-US" smtClean="0"/>
-              <a:t>10/15/2022</a:t>
+              <a:t>10/20/2022</a:t>
             </a:fld>
             <a:endParaRPr lang="en-US"/>
           </a:p>
@@ -6220,7 +6222,7 @@
           <a:lstStyle/>
           <a:p>
             <a:r>
-              <a:rPr lang="en-US" smtClean="0"/>
+              <a:rPr lang="en-US"/>
               <a:t>Click to edit Master title style</a:t>
             </a:r>
             <a:endParaRPr lang="en-US" dirty="0"/>
@@ -6295,7 +6297,7 @@
           <a:p>
             <a:pPr lvl="0"/>
             <a:r>
-              <a:rPr lang="en-US" smtClean="0"/>
+              <a:rPr lang="en-US"/>
               <a:t>Edit Master text styles</a:t>
             </a:r>
           </a:p>
@@ -6352,7 +6354,7 @@
               <a:buNone/>
             </a:pPr>
             <a:r>
-              <a:rPr lang="en-US" smtClean="0"/>
+              <a:rPr lang="en-US"/>
               <a:t>Click icon to add picture</a:t>
             </a:r>
             <a:endParaRPr lang="en-US" dirty="0"/>
@@ -6420,7 +6422,7 @@
           <a:p>
             <a:pPr lvl="0"/>
             <a:r>
-              <a:rPr lang="en-US" smtClean="0"/>
+              <a:rPr lang="en-US"/>
               <a:t>Edit Master text styles</a:t>
             </a:r>
           </a:p>
@@ -6494,7 +6496,7 @@
           <a:p>
             <a:pPr lvl="0"/>
             <a:r>
-              <a:rPr lang="en-US" smtClean="0"/>
+              <a:rPr lang="en-US"/>
               <a:t>Edit Master text styles</a:t>
             </a:r>
           </a:p>
@@ -6551,7 +6553,7 @@
               <a:buNone/>
             </a:pPr>
             <a:r>
-              <a:rPr lang="en-US" smtClean="0"/>
+              <a:rPr lang="en-US"/>
               <a:t>Click icon to add picture</a:t>
             </a:r>
             <a:endParaRPr lang="en-US" dirty="0"/>
@@ -6619,7 +6621,7 @@
           <a:p>
             <a:pPr lvl="0"/>
             <a:r>
-              <a:rPr lang="en-US" smtClean="0"/>
+              <a:rPr lang="en-US"/>
               <a:t>Edit Master text styles</a:t>
             </a:r>
           </a:p>
@@ -6693,7 +6695,7 @@
           <a:p>
             <a:pPr lvl="0"/>
             <a:r>
-              <a:rPr lang="en-US" smtClean="0"/>
+              <a:rPr lang="en-US"/>
               <a:t>Edit Master text styles</a:t>
             </a:r>
           </a:p>
@@ -6750,7 +6752,7 @@
               <a:buNone/>
             </a:pPr>
             <a:r>
-              <a:rPr lang="en-US" smtClean="0"/>
+              <a:rPr lang="en-US"/>
               <a:t>Click icon to add picture</a:t>
             </a:r>
             <a:endParaRPr lang="en-US" dirty="0"/>
@@ -6818,7 +6820,7 @@
           <a:p>
             <a:pPr lvl="0"/>
             <a:r>
-              <a:rPr lang="en-US" smtClean="0"/>
+              <a:rPr lang="en-US"/>
               <a:t>Edit Master text styles</a:t>
             </a:r>
           </a:p>
@@ -6841,7 +6843,7 @@
           <a:p>
             <a:fld id="{D49600C0-1873-4BA0-A91F-DE2E7DDF9023}" type="datetimeFigureOut">
               <a:rPr lang="en-US" smtClean="0"/>
-              <a:t>10/15/2022</a:t>
+              <a:t>10/20/2022</a:t>
             </a:fld>
             <a:endParaRPr lang="en-US"/>
           </a:p>
@@ -6935,7 +6937,7 @@
           <a:lstStyle/>
           <a:p>
             <a:r>
-              <a:rPr lang="en-US" smtClean="0"/>
+              <a:rPr lang="en-US"/>
               <a:t>Click to edit Master title style</a:t>
             </a:r>
             <a:endParaRPr lang="en-US" dirty="0"/>
@@ -6959,35 +6961,35 @@
           <a:p>
             <a:pPr lvl="0"/>
             <a:r>
-              <a:rPr lang="en-US" smtClean="0"/>
+              <a:rPr lang="en-US"/>
               <a:t>Edit Master text styles</a:t>
             </a:r>
           </a:p>
           <a:p>
             <a:pPr lvl="1"/>
             <a:r>
-              <a:rPr lang="en-US" smtClean="0"/>
+              <a:rPr lang="en-US"/>
               <a:t>Second level</a:t>
             </a:r>
           </a:p>
           <a:p>
             <a:pPr lvl="2"/>
             <a:r>
-              <a:rPr lang="en-US" smtClean="0"/>
+              <a:rPr lang="en-US"/>
               <a:t>Third level</a:t>
             </a:r>
           </a:p>
           <a:p>
             <a:pPr lvl="3"/>
             <a:r>
-              <a:rPr lang="en-US" smtClean="0"/>
+              <a:rPr lang="en-US"/>
               <a:t>Fourth level</a:t>
             </a:r>
           </a:p>
           <a:p>
             <a:pPr lvl="4"/>
             <a:r>
-              <a:rPr lang="en-US" smtClean="0"/>
+              <a:rPr lang="en-US"/>
               <a:t>Fifth level</a:t>
             </a:r>
             <a:endParaRPr lang="en-US" dirty="0"/>
@@ -7011,7 +7013,7 @@
           <a:p>
             <a:fld id="{D49600C0-1873-4BA0-A91F-DE2E7DDF9023}" type="datetimeFigureOut">
               <a:rPr lang="en-US" smtClean="0"/>
-              <a:t>10/15/2022</a:t>
+              <a:t>10/20/2022</a:t>
             </a:fld>
             <a:endParaRPr lang="en-US"/>
           </a:p>
@@ -7110,7 +7112,7 @@
           <a:lstStyle/>
           <a:p>
             <a:r>
-              <a:rPr lang="en-US" smtClean="0"/>
+              <a:rPr lang="en-US"/>
               <a:t>Click to edit Master title style</a:t>
             </a:r>
             <a:endParaRPr lang="en-US" dirty="0"/>
@@ -7139,35 +7141,35 @@
           <a:p>
             <a:pPr lvl="0"/>
             <a:r>
-              <a:rPr lang="en-US" smtClean="0"/>
+              <a:rPr lang="en-US"/>
               <a:t>Edit Master text styles</a:t>
             </a:r>
           </a:p>
           <a:p>
             <a:pPr lvl="1"/>
             <a:r>
-              <a:rPr lang="en-US" smtClean="0"/>
+              <a:rPr lang="en-US"/>
               <a:t>Second level</a:t>
             </a:r>
           </a:p>
           <a:p>
             <a:pPr lvl="2"/>
             <a:r>
-              <a:rPr lang="en-US" smtClean="0"/>
+              <a:rPr lang="en-US"/>
               <a:t>Third level</a:t>
             </a:r>
           </a:p>
           <a:p>
             <a:pPr lvl="3"/>
             <a:r>
-              <a:rPr lang="en-US" smtClean="0"/>
+              <a:rPr lang="en-US"/>
               <a:t>Fourth level</a:t>
             </a:r>
           </a:p>
           <a:p>
             <a:pPr lvl="4"/>
             <a:r>
-              <a:rPr lang="en-US" smtClean="0"/>
+              <a:rPr lang="en-US"/>
               <a:t>Fifth level</a:t>
             </a:r>
             <a:endParaRPr lang="en-US" dirty="0"/>
@@ -7191,7 +7193,7 @@
           <a:p>
             <a:fld id="{D49600C0-1873-4BA0-A91F-DE2E7DDF9023}" type="datetimeFigureOut">
               <a:rPr lang="en-US" smtClean="0"/>
-              <a:t>10/15/2022</a:t>
+              <a:t>10/20/2022</a:t>
             </a:fld>
             <a:endParaRPr lang="en-US"/>
           </a:p>
@@ -7285,7 +7287,7 @@
           <a:lstStyle/>
           <a:p>
             <a:r>
-              <a:rPr lang="en-US" smtClean="0"/>
+              <a:rPr lang="en-US"/>
               <a:t>Click to edit Master title style</a:t>
             </a:r>
             <a:endParaRPr lang="en-US" dirty="0"/>
@@ -7309,35 +7311,35 @@
           <a:p>
             <a:pPr lvl="0"/>
             <a:r>
-              <a:rPr lang="en-US" smtClean="0"/>
+              <a:rPr lang="en-US"/>
               <a:t>Edit Master text styles</a:t>
             </a:r>
           </a:p>
           <a:p>
             <a:pPr lvl="1"/>
             <a:r>
-              <a:rPr lang="en-US" smtClean="0"/>
+              <a:rPr lang="en-US"/>
               <a:t>Second level</a:t>
             </a:r>
           </a:p>
           <a:p>
             <a:pPr lvl="2"/>
             <a:r>
-              <a:rPr lang="en-US" smtClean="0"/>
+              <a:rPr lang="en-US"/>
               <a:t>Third level</a:t>
             </a:r>
           </a:p>
           <a:p>
             <a:pPr lvl="3"/>
             <a:r>
-              <a:rPr lang="en-US" smtClean="0"/>
+              <a:rPr lang="en-US"/>
               <a:t>Fourth level</a:t>
             </a:r>
           </a:p>
           <a:p>
             <a:pPr lvl="4"/>
             <a:r>
-              <a:rPr lang="en-US" smtClean="0"/>
+              <a:rPr lang="en-US"/>
               <a:t>Fifth level</a:t>
             </a:r>
             <a:endParaRPr lang="en-US" dirty="0"/>
@@ -7361,7 +7363,7 @@
           <a:p>
             <a:fld id="{D49600C0-1873-4BA0-A91F-DE2E7DDF9023}" type="datetimeFigureOut">
               <a:rPr lang="en-US" smtClean="0"/>
-              <a:t>10/15/2022</a:t>
+              <a:t>10/20/2022</a:t>
             </a:fld>
             <a:endParaRPr lang="en-US"/>
           </a:p>
@@ -7466,7 +7468,7 @@
           </a:lstStyle>
           <a:p>
             <a:r>
-              <a:rPr lang="en-US" smtClean="0"/>
+              <a:rPr lang="en-US"/>
               <a:t>Click to edit Master title style</a:t>
             </a:r>
             <a:endParaRPr lang="en-US" dirty="0"/>
@@ -7588,7 +7590,7 @@
           <a:p>
             <a:pPr lvl="0"/>
             <a:r>
-              <a:rPr lang="en-US" smtClean="0"/>
+              <a:rPr lang="en-US"/>
               <a:t>Edit Master text styles</a:t>
             </a:r>
           </a:p>
@@ -7611,7 +7613,7 @@
           <a:p>
             <a:fld id="{D49600C0-1873-4BA0-A91F-DE2E7DDF9023}" type="datetimeFigureOut">
               <a:rPr lang="en-US" smtClean="0"/>
-              <a:t>10/15/2022</a:t>
+              <a:t>10/20/2022</a:t>
             </a:fld>
             <a:endParaRPr lang="en-US"/>
           </a:p>
@@ -7705,7 +7707,7 @@
           <a:lstStyle/>
           <a:p>
             <a:r>
-              <a:rPr lang="en-US" smtClean="0"/>
+              <a:rPr lang="en-US"/>
               <a:t>Click to edit Master title style</a:t>
             </a:r>
             <a:endParaRPr lang="en-US" dirty="0"/>
@@ -7734,35 +7736,35 @@
           <a:p>
             <a:pPr lvl="0"/>
             <a:r>
-              <a:rPr lang="en-US" smtClean="0"/>
+              <a:rPr lang="en-US"/>
               <a:t>Edit Master text styles</a:t>
             </a:r>
           </a:p>
           <a:p>
             <a:pPr lvl="1"/>
             <a:r>
-              <a:rPr lang="en-US" smtClean="0"/>
+              <a:rPr lang="en-US"/>
               <a:t>Second level</a:t>
             </a:r>
           </a:p>
           <a:p>
             <a:pPr lvl="2"/>
             <a:r>
-              <a:rPr lang="en-US" smtClean="0"/>
+              <a:rPr lang="en-US"/>
               <a:t>Third level</a:t>
             </a:r>
           </a:p>
           <a:p>
             <a:pPr lvl="3"/>
             <a:r>
-              <a:rPr lang="en-US" smtClean="0"/>
+              <a:rPr lang="en-US"/>
               <a:t>Fourth level</a:t>
             </a:r>
           </a:p>
           <a:p>
             <a:pPr lvl="4"/>
             <a:r>
-              <a:rPr lang="en-US" smtClean="0"/>
+              <a:rPr lang="en-US"/>
               <a:t>Fifth level</a:t>
             </a:r>
             <a:endParaRPr lang="en-US" dirty="0"/>
@@ -7791,35 +7793,35 @@
           <a:p>
             <a:pPr lvl="0"/>
             <a:r>
-              <a:rPr lang="en-US" smtClean="0"/>
+              <a:rPr lang="en-US"/>
               <a:t>Edit Master text styles</a:t>
             </a:r>
           </a:p>
           <a:p>
             <a:pPr lvl="1"/>
             <a:r>
-              <a:rPr lang="en-US" smtClean="0"/>
+              <a:rPr lang="en-US"/>
               <a:t>Second level</a:t>
             </a:r>
           </a:p>
           <a:p>
             <a:pPr lvl="2"/>
             <a:r>
-              <a:rPr lang="en-US" smtClean="0"/>
+              <a:rPr lang="en-US"/>
               <a:t>Third level</a:t>
             </a:r>
           </a:p>
           <a:p>
             <a:pPr lvl="3"/>
             <a:r>
-              <a:rPr lang="en-US" smtClean="0"/>
+              <a:rPr lang="en-US"/>
               <a:t>Fourth level</a:t>
             </a:r>
           </a:p>
           <a:p>
             <a:pPr lvl="4"/>
             <a:r>
-              <a:rPr lang="en-US" smtClean="0"/>
+              <a:rPr lang="en-US"/>
               <a:t>Fifth level</a:t>
             </a:r>
             <a:endParaRPr lang="en-US" dirty="0"/>
@@ -7843,7 +7845,7 @@
           <a:p>
             <a:fld id="{D49600C0-1873-4BA0-A91F-DE2E7DDF9023}" type="datetimeFigureOut">
               <a:rPr lang="en-US" smtClean="0"/>
-              <a:t>10/15/2022</a:t>
+              <a:t>10/20/2022</a:t>
             </a:fld>
             <a:endParaRPr lang="en-US"/>
           </a:p>
@@ -7942,7 +7944,7 @@
           <a:lstStyle/>
           <a:p>
             <a:r>
-              <a:rPr lang="en-US" smtClean="0"/>
+              <a:rPr lang="en-US"/>
               <a:t>Click to edit Master title style</a:t>
             </a:r>
             <a:endParaRPr lang="en-US" dirty="0"/>
@@ -8015,7 +8017,7 @@
           <a:p>
             <a:pPr lvl="0"/>
             <a:r>
-              <a:rPr lang="en-US" smtClean="0"/>
+              <a:rPr lang="en-US"/>
               <a:t>Edit Master text styles</a:t>
             </a:r>
           </a:p>
@@ -8043,35 +8045,35 @@
           <a:p>
             <a:pPr lvl="0"/>
             <a:r>
-              <a:rPr lang="en-US" smtClean="0"/>
+              <a:rPr lang="en-US"/>
               <a:t>Edit Master text styles</a:t>
             </a:r>
           </a:p>
           <a:p>
             <a:pPr lvl="1"/>
             <a:r>
-              <a:rPr lang="en-US" smtClean="0"/>
+              <a:rPr lang="en-US"/>
               <a:t>Second level</a:t>
             </a:r>
           </a:p>
           <a:p>
             <a:pPr lvl="2"/>
             <a:r>
-              <a:rPr lang="en-US" smtClean="0"/>
+              <a:rPr lang="en-US"/>
               <a:t>Third level</a:t>
             </a:r>
           </a:p>
           <a:p>
             <a:pPr lvl="3"/>
             <a:r>
-              <a:rPr lang="en-US" smtClean="0"/>
+              <a:rPr lang="en-US"/>
               <a:t>Fourth level</a:t>
             </a:r>
           </a:p>
           <a:p>
             <a:pPr lvl="4"/>
             <a:r>
-              <a:rPr lang="en-US" smtClean="0"/>
+              <a:rPr lang="en-US"/>
               <a:t>Fifth level</a:t>
             </a:r>
             <a:endParaRPr lang="en-US" dirty="0"/>
@@ -8144,7 +8146,7 @@
           <a:p>
             <a:pPr lvl="0"/>
             <a:r>
-              <a:rPr lang="en-US" smtClean="0"/>
+              <a:rPr lang="en-US"/>
               <a:t>Edit Master text styles</a:t>
             </a:r>
           </a:p>
@@ -8172,35 +8174,35 @@
           <a:p>
             <a:pPr lvl="0"/>
             <a:r>
-              <a:rPr lang="en-US" smtClean="0"/>
+              <a:rPr lang="en-US"/>
               <a:t>Edit Master text styles</a:t>
             </a:r>
           </a:p>
           <a:p>
             <a:pPr lvl="1"/>
             <a:r>
-              <a:rPr lang="en-US" smtClean="0"/>
+              <a:rPr lang="en-US"/>
               <a:t>Second level</a:t>
             </a:r>
           </a:p>
           <a:p>
             <a:pPr lvl="2"/>
             <a:r>
-              <a:rPr lang="en-US" smtClean="0"/>
+              <a:rPr lang="en-US"/>
               <a:t>Third level</a:t>
             </a:r>
           </a:p>
           <a:p>
             <a:pPr lvl="3"/>
             <a:r>
-              <a:rPr lang="en-US" smtClean="0"/>
+              <a:rPr lang="en-US"/>
               <a:t>Fourth level</a:t>
             </a:r>
           </a:p>
           <a:p>
             <a:pPr lvl="4"/>
             <a:r>
-              <a:rPr lang="en-US" smtClean="0"/>
+              <a:rPr lang="en-US"/>
               <a:t>Fifth level</a:t>
             </a:r>
             <a:endParaRPr lang="en-US" dirty="0"/>
@@ -8224,7 +8226,7 @@
           <a:p>
             <a:fld id="{D49600C0-1873-4BA0-A91F-DE2E7DDF9023}" type="datetimeFigureOut">
               <a:rPr lang="en-US" smtClean="0"/>
-              <a:t>10/15/2022</a:t>
+              <a:t>10/20/2022</a:t>
             </a:fld>
             <a:endParaRPr lang="en-US"/>
           </a:p>
@@ -8318,7 +8320,7 @@
           <a:lstStyle/>
           <a:p>
             <a:r>
-              <a:rPr lang="en-US" smtClean="0"/>
+              <a:rPr lang="en-US"/>
               <a:t>Click to edit Master title style</a:t>
             </a:r>
             <a:endParaRPr lang="en-US" dirty="0"/>
@@ -8342,7 +8344,7 @@
           <a:p>
             <a:fld id="{D49600C0-1873-4BA0-A91F-DE2E7DDF9023}" type="datetimeFigureOut">
               <a:rPr lang="en-US" smtClean="0"/>
-              <a:t>10/15/2022</a:t>
+              <a:t>10/20/2022</a:t>
             </a:fld>
             <a:endParaRPr lang="en-US"/>
           </a:p>
@@ -8437,7 +8439,7 @@
           <a:p>
             <a:fld id="{D49600C0-1873-4BA0-A91F-DE2E7DDF9023}" type="datetimeFigureOut">
               <a:rPr lang="en-US" smtClean="0"/>
-              <a:t>10/15/2022</a:t>
+              <a:t>10/20/2022</a:t>
             </a:fld>
             <a:endParaRPr lang="en-US"/>
           </a:p>
@@ -8540,7 +8542,7 @@
           </a:lstStyle>
           <a:p>
             <a:r>
-              <a:rPr lang="en-US" smtClean="0"/>
+              <a:rPr lang="en-US"/>
               <a:t>Click to edit Master title style</a:t>
             </a:r>
             <a:endParaRPr lang="en-US" dirty="0"/>
@@ -8569,35 +8571,35 @@
           <a:p>
             <a:pPr lvl="0"/>
             <a:r>
-              <a:rPr lang="en-US" smtClean="0"/>
+              <a:rPr lang="en-US"/>
               <a:t>Edit Master text styles</a:t>
             </a:r>
           </a:p>
           <a:p>
             <a:pPr lvl="1"/>
             <a:r>
-              <a:rPr lang="en-US" smtClean="0"/>
+              <a:rPr lang="en-US"/>
               <a:t>Second level</a:t>
             </a:r>
           </a:p>
           <a:p>
             <a:pPr lvl="2"/>
             <a:r>
-              <a:rPr lang="en-US" smtClean="0"/>
+              <a:rPr lang="en-US"/>
               <a:t>Third level</a:t>
             </a:r>
           </a:p>
           <a:p>
             <a:pPr lvl="3"/>
             <a:r>
-              <a:rPr lang="en-US" smtClean="0"/>
+              <a:rPr lang="en-US"/>
               <a:t>Fourth level</a:t>
             </a:r>
           </a:p>
           <a:p>
             <a:pPr lvl="4"/>
             <a:r>
-              <a:rPr lang="en-US" smtClean="0"/>
+              <a:rPr lang="en-US"/>
               <a:t>Fifth level</a:t>
             </a:r>
             <a:endParaRPr lang="en-US" dirty="0"/>
@@ -8663,7 +8665,7 @@
           <a:p>
             <a:pPr lvl="0"/>
             <a:r>
-              <a:rPr lang="en-US" smtClean="0"/>
+              <a:rPr lang="en-US"/>
               <a:t>Edit Master text styles</a:t>
             </a:r>
           </a:p>
@@ -8686,7 +8688,7 @@
           <a:p>
             <a:fld id="{D49600C0-1873-4BA0-A91F-DE2E7DDF9023}" type="datetimeFigureOut">
               <a:rPr lang="en-US" smtClean="0"/>
-              <a:t>10/15/2022</a:t>
+              <a:t>10/20/2022</a:t>
             </a:fld>
             <a:endParaRPr lang="en-US"/>
           </a:p>
@@ -8789,7 +8791,7 @@
           </a:lstStyle>
           <a:p>
             <a:r>
-              <a:rPr lang="en-US" smtClean="0"/>
+              <a:rPr lang="en-US"/>
               <a:t>Click to edit Master title style</a:t>
             </a:r>
             <a:endParaRPr lang="en-US" dirty="0"/>
@@ -8877,7 +8879,7 @@
           </a:lstStyle>
           <a:p>
             <a:r>
-              <a:rPr lang="en-US" smtClean="0"/>
+              <a:rPr lang="en-US"/>
               <a:t>Click icon to add picture</a:t>
             </a:r>
             <a:endParaRPr lang="en-US" dirty="0"/>
@@ -8943,7 +8945,7 @@
           <a:p>
             <a:pPr lvl="0"/>
             <a:r>
-              <a:rPr lang="en-US" smtClean="0"/>
+              <a:rPr lang="en-US"/>
               <a:t>Edit Master text styles</a:t>
             </a:r>
           </a:p>
@@ -8966,7 +8968,7 @@
           <a:p>
             <a:fld id="{D49600C0-1873-4BA0-A91F-DE2E7DDF9023}" type="datetimeFigureOut">
               <a:rPr lang="en-US" smtClean="0"/>
-              <a:t>10/15/2022</a:t>
+              <a:t>10/20/2022</a:t>
             </a:fld>
             <a:endParaRPr lang="en-US"/>
           </a:p>
@@ -11973,35 +11975,35 @@
           <a:p>
             <a:pPr lvl="0"/>
             <a:r>
-              <a:rPr lang="en-US" smtClean="0"/>
+              <a:rPr lang="en-US"/>
               <a:t>Edit Master text styles</a:t>
             </a:r>
           </a:p>
           <a:p>
             <a:pPr lvl="1"/>
             <a:r>
-              <a:rPr lang="en-US" smtClean="0"/>
+              <a:rPr lang="en-US"/>
               <a:t>Second level</a:t>
             </a:r>
           </a:p>
           <a:p>
             <a:pPr lvl="2"/>
             <a:r>
-              <a:rPr lang="en-US" smtClean="0"/>
+              <a:rPr lang="en-US"/>
               <a:t>Third level</a:t>
             </a:r>
           </a:p>
           <a:p>
             <a:pPr lvl="3"/>
             <a:r>
-              <a:rPr lang="en-US" smtClean="0"/>
+              <a:rPr lang="en-US"/>
               <a:t>Fourth level</a:t>
             </a:r>
           </a:p>
           <a:p>
             <a:pPr lvl="4"/>
             <a:r>
-              <a:rPr lang="en-US" smtClean="0"/>
+              <a:rPr lang="en-US"/>
               <a:t>Fifth level</a:t>
             </a:r>
             <a:endParaRPr lang="en-US" dirty="0"/>
@@ -12043,7 +12045,7 @@
           <a:p>
             <a:fld id="{D49600C0-1873-4BA0-A91F-DE2E7DDF9023}" type="datetimeFigureOut">
               <a:rPr lang="en-US" smtClean="0"/>
-              <a:t>10/15/2022</a:t>
+              <a:t>10/20/2022</a:t>
             </a:fld>
             <a:endParaRPr lang="en-US"/>
           </a:p>
@@ -12487,24 +12489,23 @@
           <a:p>
             <a:pPr algn="ctr"/>
             <a:r>
-              <a:rPr lang="en-US" dirty="0" smtClean="0"/>
+              <a:rPr lang="en-US" dirty="0"/>
               <a:t>AWS Cloud Devops</a:t>
             </a:r>
             <a:br>
-              <a:rPr lang="en-US" dirty="0" smtClean="0"/>
+              <a:rPr lang="en-US" dirty="0"/>
             </a:br>
             <a:r>
-              <a:rPr lang="en-US" dirty="0" smtClean="0"/>
+              <a:rPr lang="en-US" dirty="0"/>
               <a:t>Udacity Nanodegree</a:t>
             </a:r>
             <a:br>
-              <a:rPr lang="en-US" dirty="0" smtClean="0"/>
+              <a:rPr lang="en-US" dirty="0"/>
             </a:br>
             <a:r>
-              <a:rPr lang="en-US" dirty="0" smtClean="0"/>
+              <a:rPr lang="en-US" dirty="0"/>
               <a:t>2022-2023</a:t>
             </a:r>
-            <a:endParaRPr lang="en-US" dirty="0"/>
           </a:p>
         </p:txBody>
       </p:sp>
@@ -12530,10 +12531,9 @@
           <a:p>
             <a:pPr algn="ctr"/>
             <a:r>
-              <a:rPr lang="en-US" dirty="0" smtClean="0"/>
+              <a:rPr lang="en-US" dirty="0"/>
               <a:t>Ahmed alsawi</a:t>
             </a:r>
-            <a:endParaRPr lang="en-US" dirty="0"/>
           </a:p>
         </p:txBody>
       </p:sp>
@@ -12589,12 +12589,8 @@
           <a:p>
             <a:pPr algn="ctr"/>
             <a:r>
-              <a:rPr lang="en-US" dirty="0" smtClean="0"/>
-              <a:t>SCREENSHOT10 </a:t>
-            </a:r>
-            <a:r>
               <a:rPr lang="en-US" dirty="0"/>
-              <a:t>Example</a:t>
+              <a:t>SCREENSHOT10 Example</a:t>
             </a:r>
           </a:p>
         </p:txBody>
@@ -12681,12 +12677,8 @@
           <a:p>
             <a:pPr algn="ctr"/>
             <a:r>
-              <a:rPr lang="en-US" dirty="0" smtClean="0"/>
-              <a:t>SCREENSHOT11-A </a:t>
-            </a:r>
-            <a:r>
               <a:rPr lang="en-US" dirty="0"/>
-              <a:t>Example</a:t>
+              <a:t>SCREENSHOT11-A Example</a:t>
             </a:r>
           </a:p>
         </p:txBody>
@@ -12773,12 +12765,8 @@
           <a:p>
             <a:pPr algn="ctr"/>
             <a:r>
-              <a:rPr lang="en-US" dirty="0" smtClean="0"/>
-              <a:t>SCREENSHOT11-B </a:t>
-            </a:r>
-            <a:r>
               <a:rPr lang="en-US" dirty="0"/>
-              <a:t>Example</a:t>
+              <a:t>SCREENSHOT11-B Example</a:t>
             </a:r>
           </a:p>
         </p:txBody>
@@ -12865,12 +12853,8 @@
           <a:p>
             <a:pPr algn="ctr"/>
             <a:r>
-              <a:rPr lang="en-US" dirty="0" smtClean="0"/>
-              <a:t>SCREENSHOT11-C </a:t>
-            </a:r>
-            <a:r>
               <a:rPr lang="en-US" dirty="0"/>
-              <a:t>Example</a:t>
+              <a:t>SCREENSHOT11-C Example</a:t>
             </a:r>
           </a:p>
         </p:txBody>
@@ -12957,12 +12941,8 @@
           <a:p>
             <a:pPr algn="ctr"/>
             <a:r>
-              <a:rPr lang="en-US" dirty="0" smtClean="0"/>
-              <a:t>SCREENSHOT12 </a:t>
-            </a:r>
-            <a:r>
               <a:rPr lang="en-US" dirty="0"/>
-              <a:t>Example</a:t>
+              <a:t>SCREENSHOT12 Example</a:t>
             </a:r>
           </a:p>
         </p:txBody>
@@ -13050,7 +13030,7 @@
             <a:pPr algn="ctr"/>
             <a:r>
               <a:rPr lang="en-US" b="1" dirty="0"/>
-              <a:t>URL03_SCREENSHOT</a:t>
+              <a:t>URL01_SCREENSHOT</a:t>
             </a:r>
             <a:endParaRPr lang="en-US" dirty="0"/>
           </a:p>
@@ -13058,28 +13038,28 @@
       </p:sp>
       <p:pic>
         <p:nvPicPr>
-          <p:cNvPr id="6" name="Picture 5"/>
+          <p:cNvPr id="4" name="Picture 3">
+            <a:extLst>
+              <a:ext uri="{FF2B5EF4-FFF2-40B4-BE49-F238E27FC236}">
+                <a16:creationId xmlns:a16="http://schemas.microsoft.com/office/drawing/2014/main" id="{CAE0505F-4097-3235-4674-FF7BAEA73240}"/>
+              </a:ext>
+            </a:extLst>
+          </p:cNvPr>
           <p:cNvPicPr>
             <a:picLocks noChangeAspect="1"/>
           </p:cNvPicPr>
           <p:nvPr/>
         </p:nvPicPr>
         <p:blipFill>
-          <a:blip r:embed="rId2">
-            <a:extLst>
-              <a:ext uri="{28A0092B-C50C-407E-A947-70E740481C1C}">
-                <a14:useLocalDpi xmlns:a14="http://schemas.microsoft.com/office/drawing/2010/main" val="0"/>
-              </a:ext>
-            </a:extLst>
-          </a:blip>
+          <a:blip r:embed="rId2"/>
           <a:stretch>
             <a:fillRect/>
           </a:stretch>
         </p:blipFill>
         <p:spPr>
           <a:xfrm>
-            <a:off x="1216817" y="414337"/>
-            <a:ext cx="9758363" cy="5486400"/>
+            <a:off x="1216819" y="414336"/>
+            <a:ext cx="9758364" cy="5486399"/>
           </a:xfrm>
           <a:prstGeom prst="rect">
             <a:avLst/>
@@ -13138,8 +13118,8 @@
           <a:p>
             <a:pPr algn="ctr"/>
             <a:r>
-              <a:rPr lang="en-US" b="1" dirty="0" smtClean="0"/>
-              <a:t>URL04_SCREENSHOT</a:t>
+              <a:rPr lang="en-US" b="1" dirty="0"/>
+              <a:t>URL02_SCREENSHOT</a:t>
             </a:r>
             <a:endParaRPr lang="en-US" dirty="0"/>
           </a:p>
@@ -13147,28 +13127,28 @@
       </p:sp>
       <p:pic>
         <p:nvPicPr>
-          <p:cNvPr id="7" name="Picture 6"/>
+          <p:cNvPr id="6" name="Picture 5">
+            <a:extLst>
+              <a:ext uri="{FF2B5EF4-FFF2-40B4-BE49-F238E27FC236}">
+                <a16:creationId xmlns:a16="http://schemas.microsoft.com/office/drawing/2014/main" id="{9D2207E6-5F08-302E-1C8A-1663B0931F07}"/>
+              </a:ext>
+            </a:extLst>
+          </p:cNvPr>
           <p:cNvPicPr>
             <a:picLocks noChangeAspect="1"/>
           </p:cNvPicPr>
           <p:nvPr/>
         </p:nvPicPr>
         <p:blipFill>
-          <a:blip r:embed="rId2">
-            <a:extLst>
-              <a:ext uri="{28A0092B-C50C-407E-A947-70E740481C1C}">
-                <a14:useLocalDpi xmlns:a14="http://schemas.microsoft.com/office/drawing/2010/main" val="0"/>
-              </a:ext>
-            </a:extLst>
-          </a:blip>
+          <a:blip r:embed="rId2"/>
           <a:stretch>
             <a:fillRect/>
           </a:stretch>
         </p:blipFill>
         <p:spPr>
           <a:xfrm>
-            <a:off x="1216818" y="414337"/>
-            <a:ext cx="9758363" cy="5486400"/>
+            <a:off x="1216821" y="414336"/>
+            <a:ext cx="9758361" cy="5486399"/>
           </a:xfrm>
           <a:prstGeom prst="rect">
             <a:avLst/>
@@ -13178,7 +13158,7 @@
     </p:spTree>
     <p:extLst>
       <p:ext uri="{BB962C8B-B14F-4D97-AF65-F5344CB8AC3E}">
-        <p14:creationId xmlns:p14="http://schemas.microsoft.com/office/powerpoint/2010/main" val="2316457056"/>
+        <p14:creationId xmlns:p14="http://schemas.microsoft.com/office/powerpoint/2010/main" val="3199103150"/>
       </p:ext>
     </p:extLst>
   </p:cSld>
@@ -13227,7 +13207,185 @@
           <a:p>
             <a:pPr algn="ctr"/>
             <a:r>
-              <a:rPr lang="en-US" b="1" dirty="0" smtClean="0"/>
+              <a:rPr lang="en-US" b="1" dirty="0"/>
+              <a:t>URL03_SCREENSHOT</a:t>
+            </a:r>
+            <a:endParaRPr lang="en-US" dirty="0"/>
+          </a:p>
+        </p:txBody>
+      </p:sp>
+      <p:pic>
+        <p:nvPicPr>
+          <p:cNvPr id="8" name="Picture 7">
+            <a:extLst>
+              <a:ext uri="{FF2B5EF4-FFF2-40B4-BE49-F238E27FC236}">
+                <a16:creationId xmlns:a16="http://schemas.microsoft.com/office/drawing/2014/main" id="{8ED26A5B-2646-606B-9C34-31A7B9215D5A}"/>
+              </a:ext>
+            </a:extLst>
+          </p:cNvPr>
+          <p:cNvPicPr>
+            <a:picLocks noChangeAspect="1"/>
+          </p:cNvPicPr>
+          <p:nvPr/>
+        </p:nvPicPr>
+        <p:blipFill>
+          <a:blip r:embed="rId2"/>
+          <a:stretch>
+            <a:fillRect/>
+          </a:stretch>
+        </p:blipFill>
+        <p:spPr>
+          <a:xfrm>
+            <a:off x="1216815" y="414337"/>
+            <a:ext cx="9758365" cy="5486400"/>
+          </a:xfrm>
+          <a:prstGeom prst="rect">
+            <a:avLst/>
+          </a:prstGeom>
+        </p:spPr>
+      </p:pic>
+    </p:spTree>
+    <p:extLst>
+      <p:ext uri="{BB962C8B-B14F-4D97-AF65-F5344CB8AC3E}">
+        <p14:creationId xmlns:p14="http://schemas.microsoft.com/office/powerpoint/2010/main" val="1346453750"/>
+      </p:ext>
+    </p:extLst>
+  </p:cSld>
+  <p:clrMapOvr>
+    <a:masterClrMapping/>
+  </p:clrMapOvr>
+</p:sld>
+</file>
+
+<file path=ppt/slides/slide18.xml><?xml version="1.0" encoding="utf-8"?>
+<p:sld xmlns:a="http://schemas.openxmlformats.org/drawingml/2006/main" xmlns:r="http://schemas.openxmlformats.org/officeDocument/2006/relationships" xmlns:p="http://schemas.openxmlformats.org/presentationml/2006/main">
+  <p:cSld>
+    <p:spTree>
+      <p:nvGrpSpPr>
+        <p:cNvPr id="1" name=""/>
+        <p:cNvGrpSpPr/>
+        <p:nvPr/>
+      </p:nvGrpSpPr>
+      <p:grpSpPr>
+        <a:xfrm>
+          <a:off x="0" y="0"/>
+          <a:ext cx="0" cy="0"/>
+          <a:chOff x="0" y="0"/>
+          <a:chExt cx="0" cy="0"/>
+        </a:xfrm>
+      </p:grpSpPr>
+      <p:sp>
+        <p:nvSpPr>
+          <p:cNvPr id="5" name="Subtitle 4"/>
+          <p:cNvSpPr>
+            <a:spLocks noGrp="1"/>
+          </p:cNvSpPr>
+          <p:nvPr>
+            <p:ph type="subTitle" idx="1"/>
+          </p:nvPr>
+        </p:nvSpPr>
+        <p:spPr>
+          <a:xfrm>
+            <a:off x="3719512" y="6200772"/>
+            <a:ext cx="4752976" cy="500062"/>
+          </a:xfrm>
+        </p:spPr>
+        <p:txBody>
+          <a:bodyPr/>
+          <a:lstStyle/>
+          <a:p>
+            <a:pPr algn="ctr"/>
+            <a:r>
+              <a:rPr lang="en-US" b="1" dirty="0"/>
+              <a:t>URL04_SCREENSHOT</a:t>
+            </a:r>
+            <a:endParaRPr lang="en-US" dirty="0"/>
+          </a:p>
+        </p:txBody>
+      </p:sp>
+      <p:pic>
+        <p:nvPicPr>
+          <p:cNvPr id="4" name="Picture 3">
+            <a:extLst>
+              <a:ext uri="{FF2B5EF4-FFF2-40B4-BE49-F238E27FC236}">
+                <a16:creationId xmlns:a16="http://schemas.microsoft.com/office/drawing/2014/main" id="{7E186200-4B09-0DE4-ED80-37CDFA925C9F}"/>
+              </a:ext>
+            </a:extLst>
+          </p:cNvPr>
+          <p:cNvPicPr>
+            <a:picLocks noChangeAspect="1"/>
+          </p:cNvPicPr>
+          <p:nvPr/>
+        </p:nvPicPr>
+        <p:blipFill>
+          <a:blip r:embed="rId2"/>
+          <a:stretch>
+            <a:fillRect/>
+          </a:stretch>
+        </p:blipFill>
+        <p:spPr>
+          <a:xfrm>
+            <a:off x="1216818" y="414339"/>
+            <a:ext cx="9758357" cy="5486395"/>
+          </a:xfrm>
+          <a:prstGeom prst="rect">
+            <a:avLst/>
+          </a:prstGeom>
+        </p:spPr>
+      </p:pic>
+    </p:spTree>
+    <p:extLst>
+      <p:ext uri="{BB962C8B-B14F-4D97-AF65-F5344CB8AC3E}">
+        <p14:creationId xmlns:p14="http://schemas.microsoft.com/office/powerpoint/2010/main" val="2316457056"/>
+      </p:ext>
+    </p:extLst>
+  </p:cSld>
+  <p:clrMapOvr>
+    <a:masterClrMapping/>
+  </p:clrMapOvr>
+</p:sld>
+</file>
+
+<file path=ppt/slides/slide19.xml><?xml version="1.0" encoding="utf-8"?>
+<p:sld xmlns:a="http://schemas.openxmlformats.org/drawingml/2006/main" xmlns:r="http://schemas.openxmlformats.org/officeDocument/2006/relationships" xmlns:p="http://schemas.openxmlformats.org/presentationml/2006/main">
+  <p:cSld>
+    <p:spTree>
+      <p:nvGrpSpPr>
+        <p:cNvPr id="1" name=""/>
+        <p:cNvGrpSpPr/>
+        <p:nvPr/>
+      </p:nvGrpSpPr>
+      <p:grpSpPr>
+        <a:xfrm>
+          <a:off x="0" y="0"/>
+          <a:ext cx="0" cy="0"/>
+          <a:chOff x="0" y="0"/>
+          <a:chExt cx="0" cy="0"/>
+        </a:xfrm>
+      </p:grpSpPr>
+      <p:sp>
+        <p:nvSpPr>
+          <p:cNvPr id="5" name="Subtitle 4"/>
+          <p:cNvSpPr>
+            <a:spLocks noGrp="1"/>
+          </p:cNvSpPr>
+          <p:nvPr>
+            <p:ph type="subTitle" idx="1"/>
+          </p:nvPr>
+        </p:nvSpPr>
+        <p:spPr>
+          <a:xfrm>
+            <a:off x="3719512" y="6200772"/>
+            <a:ext cx="4752976" cy="500062"/>
+          </a:xfrm>
+        </p:spPr>
+        <p:txBody>
+          <a:bodyPr/>
+          <a:lstStyle/>
+          <a:p>
+            <a:pPr algn="ctr"/>
+            <a:r>
+              <a:rPr lang="en-US" b="1" dirty="0"/>
               <a:t>URL05_SCREENSHOT</a:t>
             </a:r>
             <a:endParaRPr lang="en-US" dirty="0"/>
@@ -13404,12 +13562,8 @@
           <a:p>
             <a:pPr algn="ctr"/>
             <a:r>
-              <a:rPr lang="en-US" dirty="0" smtClean="0"/>
-              <a:t>SCREENSHOT02 </a:t>
-            </a:r>
-            <a:r>
               <a:rPr lang="en-US" dirty="0"/>
-              <a:t>Example</a:t>
+              <a:t>SCREENSHOT02 Example</a:t>
             </a:r>
           </a:p>
         </p:txBody>
@@ -13496,12 +13650,8 @@
           <a:p>
             <a:pPr algn="ctr"/>
             <a:r>
-              <a:rPr lang="en-US" dirty="0" smtClean="0"/>
-              <a:t>SCREENSHOT03 </a:t>
-            </a:r>
-            <a:r>
               <a:rPr lang="en-US" dirty="0"/>
-              <a:t>Example</a:t>
+              <a:t>SCREENSHOT03 Example</a:t>
             </a:r>
           </a:p>
         </p:txBody>
@@ -13588,12 +13738,8 @@
           <a:p>
             <a:pPr algn="ctr"/>
             <a:r>
-              <a:rPr lang="en-US" dirty="0" smtClean="0"/>
-              <a:t>SCREENSHOT04 </a:t>
-            </a:r>
-            <a:r>
               <a:rPr lang="en-US" dirty="0"/>
-              <a:t>Example</a:t>
+              <a:t>SCREENSHOT04 Example</a:t>
             </a:r>
           </a:p>
         </p:txBody>
@@ -13680,12 +13826,8 @@
           <a:p>
             <a:pPr algn="ctr"/>
             <a:r>
-              <a:rPr lang="en-US" dirty="0" smtClean="0"/>
-              <a:t>SCREENSHOT06 </a:t>
-            </a:r>
-            <a:r>
               <a:rPr lang="en-US" dirty="0"/>
-              <a:t>Example</a:t>
+              <a:t>SCREENSHOT06 Example</a:t>
             </a:r>
           </a:p>
         </p:txBody>
@@ -13772,12 +13914,8 @@
           <a:p>
             <a:pPr algn="ctr"/>
             <a:r>
-              <a:rPr lang="en-US" dirty="0" smtClean="0"/>
-              <a:t>SCREENSHOT07 </a:t>
-            </a:r>
-            <a:r>
               <a:rPr lang="en-US" dirty="0"/>
-              <a:t>Example</a:t>
+              <a:t>SCREENSHOT07 Example</a:t>
             </a:r>
           </a:p>
         </p:txBody>
@@ -13864,12 +14002,8 @@
           <a:p>
             <a:pPr algn="ctr"/>
             <a:r>
-              <a:rPr lang="en-US" dirty="0" smtClean="0"/>
-              <a:t>SCREENSHOT08 </a:t>
-            </a:r>
-            <a:r>
               <a:rPr lang="en-US" dirty="0"/>
-              <a:t>Example</a:t>
+              <a:t>SCREENSHOT08 Example</a:t>
             </a:r>
           </a:p>
         </p:txBody>
@@ -13956,12 +14090,8 @@
           <a:p>
             <a:pPr algn="ctr"/>
             <a:r>
-              <a:rPr lang="en-US" dirty="0" smtClean="0"/>
-              <a:t>SCREENSHOT09 </a:t>
-            </a:r>
-            <a:r>
               <a:rPr lang="en-US" dirty="0"/>
-              <a:t>Example</a:t>
+              <a:t>SCREENSHOT09 Example</a:t>
             </a:r>
           </a:p>
         </p:txBody>
